--- a/Untitled.pptx
+++ b/Untitled.pptx
@@ -4,18 +4,1329 @@
   <p:sldMasterIdLst>
     <p:sldMasterId id="2147483648" r:id="rId1"/>
   </p:sldMasterIdLst>
+  <p:notesMasterIdLst>
+    <p:notesMasterId r:id="rId5"/>
+  </p:notesMasterIdLst>
   <p:sldIdLst>
-    <p:sldId id="256" r:id="rId6"/>
-    <p:sldId id="257" r:id="rId7"/>
-    <p:sldId id="258" r:id="rId8"/>
+    <p:sldId id="256" r:id="rId2"/>
+    <p:sldId id="257" r:id="rId3"/>
+    <p:sldId id="258" r:id="rId4"/>
   </p:sldIdLst>
   <p:sldSz cx="20104100" cy="11309350"/>
   <p:notesSz cx="20104100" cy="11309350"/>
+  <p:defaultTextStyle>
+    <a:defPPr>
+      <a:defRPr lang="ru-RU"/>
+    </a:defPPr>
+    <a:lvl1pPr marL="0" algn="l" defTabSz="914400" rtl="0" eaLnBrk="1" latinLnBrk="0" hangingPunct="1">
+      <a:defRPr sz="1800" kern="1200">
+        <a:solidFill>
+          <a:schemeClr val="tx1"/>
+        </a:solidFill>
+        <a:latin typeface="+mn-lt"/>
+        <a:ea typeface="+mn-ea"/>
+        <a:cs typeface="+mn-cs"/>
+      </a:defRPr>
+    </a:lvl1pPr>
+    <a:lvl2pPr marL="457200" algn="l" defTabSz="914400" rtl="0" eaLnBrk="1" latinLnBrk="0" hangingPunct="1">
+      <a:defRPr sz="1800" kern="1200">
+        <a:solidFill>
+          <a:schemeClr val="tx1"/>
+        </a:solidFill>
+        <a:latin typeface="+mn-lt"/>
+        <a:ea typeface="+mn-ea"/>
+        <a:cs typeface="+mn-cs"/>
+      </a:defRPr>
+    </a:lvl2pPr>
+    <a:lvl3pPr marL="914400" algn="l" defTabSz="914400" rtl="0" eaLnBrk="1" latinLnBrk="0" hangingPunct="1">
+      <a:defRPr sz="1800" kern="1200">
+        <a:solidFill>
+          <a:schemeClr val="tx1"/>
+        </a:solidFill>
+        <a:latin typeface="+mn-lt"/>
+        <a:ea typeface="+mn-ea"/>
+        <a:cs typeface="+mn-cs"/>
+      </a:defRPr>
+    </a:lvl3pPr>
+    <a:lvl4pPr marL="1371600" algn="l" defTabSz="914400" rtl="0" eaLnBrk="1" latinLnBrk="0" hangingPunct="1">
+      <a:defRPr sz="1800" kern="1200">
+        <a:solidFill>
+          <a:schemeClr val="tx1"/>
+        </a:solidFill>
+        <a:latin typeface="+mn-lt"/>
+        <a:ea typeface="+mn-ea"/>
+        <a:cs typeface="+mn-cs"/>
+      </a:defRPr>
+    </a:lvl4pPr>
+    <a:lvl5pPr marL="1828800" algn="l" defTabSz="914400" rtl="0" eaLnBrk="1" latinLnBrk="0" hangingPunct="1">
+      <a:defRPr sz="1800" kern="1200">
+        <a:solidFill>
+          <a:schemeClr val="tx1"/>
+        </a:solidFill>
+        <a:latin typeface="+mn-lt"/>
+        <a:ea typeface="+mn-ea"/>
+        <a:cs typeface="+mn-cs"/>
+      </a:defRPr>
+    </a:lvl5pPr>
+    <a:lvl6pPr marL="2286000" algn="l" defTabSz="914400" rtl="0" eaLnBrk="1" latinLnBrk="0" hangingPunct="1">
+      <a:defRPr sz="1800" kern="1200">
+        <a:solidFill>
+          <a:schemeClr val="tx1"/>
+        </a:solidFill>
+        <a:latin typeface="+mn-lt"/>
+        <a:ea typeface="+mn-ea"/>
+        <a:cs typeface="+mn-cs"/>
+      </a:defRPr>
+    </a:lvl6pPr>
+    <a:lvl7pPr marL="2743200" algn="l" defTabSz="914400" rtl="0" eaLnBrk="1" latinLnBrk="0" hangingPunct="1">
+      <a:defRPr sz="1800" kern="1200">
+        <a:solidFill>
+          <a:schemeClr val="tx1"/>
+        </a:solidFill>
+        <a:latin typeface="+mn-lt"/>
+        <a:ea typeface="+mn-ea"/>
+        <a:cs typeface="+mn-cs"/>
+      </a:defRPr>
+    </a:lvl7pPr>
+    <a:lvl8pPr marL="3200400" algn="l" defTabSz="914400" rtl="0" eaLnBrk="1" latinLnBrk="0" hangingPunct="1">
+      <a:defRPr sz="1800" kern="1200">
+        <a:solidFill>
+          <a:schemeClr val="tx1"/>
+        </a:solidFill>
+        <a:latin typeface="+mn-lt"/>
+        <a:ea typeface="+mn-ea"/>
+        <a:cs typeface="+mn-cs"/>
+      </a:defRPr>
+    </a:lvl8pPr>
+    <a:lvl9pPr marL="3657600" algn="l" defTabSz="914400" rtl="0" eaLnBrk="1" latinLnBrk="0" hangingPunct="1">
+      <a:defRPr sz="1800" kern="1200">
+        <a:solidFill>
+          <a:schemeClr val="tx1"/>
+        </a:solidFill>
+        <a:latin typeface="+mn-lt"/>
+        <a:ea typeface="+mn-ea"/>
+        <a:cs typeface="+mn-cs"/>
+      </a:defRPr>
+    </a:lvl9pPr>
+  </p:defaultTextStyle>
+  <p:extLst>
+    <p:ext uri="{EFAFB233-063F-42B5-8137-9DF3F51BA10A}">
+      <p15:sldGuideLst xmlns:p15="http://schemas.microsoft.com/office/powerpoint/2012/main">
+        <p15:guide id="1" orient="horz" pos="2880">
+          <p15:clr>
+            <a:srgbClr val="A4A3A4"/>
+          </p15:clr>
+        </p15:guide>
+        <p15:guide id="2" pos="2160">
+          <p15:clr>
+            <a:srgbClr val="A4A3A4"/>
+          </p15:clr>
+        </p15:guide>
+      </p15:sldGuideLst>
+    </p:ext>
+  </p:extLst>
 </p:presentation>
 </file>
 
+<file path=ppt/notesMasters/notesMaster1.xml><?xml version="1.0" encoding="utf-8"?>
+<p:notesMaster xmlns:a="http://schemas.openxmlformats.org/drawingml/2006/main" xmlns:r="http://schemas.openxmlformats.org/officeDocument/2006/relationships" xmlns:p="http://schemas.openxmlformats.org/presentationml/2006/main">
+  <p:cSld>
+    <p:bg>
+      <p:bgRef idx="1001">
+        <a:schemeClr val="bg1"/>
+      </p:bgRef>
+    </p:bg>
+    <p:spTree>
+      <p:nvGrpSpPr>
+        <p:cNvPr id="1" name=""/>
+        <p:cNvGrpSpPr/>
+        <p:nvPr/>
+      </p:nvGrpSpPr>
+      <p:grpSpPr>
+        <a:xfrm>
+          <a:off x="0" y="0"/>
+          <a:ext cx="0" cy="0"/>
+          <a:chOff x="0" y="0"/>
+          <a:chExt cx="0" cy="0"/>
+        </a:xfrm>
+      </p:grpSpPr>
+      <p:sp>
+        <p:nvSpPr>
+          <p:cNvPr id="2" name="Верхний колонтитул 1"/>
+          <p:cNvSpPr>
+            <a:spLocks noGrp="1"/>
+          </p:cNvSpPr>
+          <p:nvPr>
+            <p:ph type="hdr" sz="quarter"/>
+          </p:nvPr>
+        </p:nvSpPr>
+        <p:spPr>
+          <a:xfrm>
+            <a:off x="0" y="0"/>
+            <a:ext cx="8712200" cy="566738"/>
+          </a:xfrm>
+          <a:prstGeom prst="rect">
+            <a:avLst/>
+          </a:prstGeom>
+        </p:spPr>
+        <p:txBody>
+          <a:bodyPr vert="horz" lIns="91440" tIns="45720" rIns="91440" bIns="45720" rtlCol="0"/>
+          <a:lstStyle>
+            <a:lvl1pPr algn="l">
+              <a:defRPr sz="1200"/>
+            </a:lvl1pPr>
+          </a:lstStyle>
+          <a:p>
+            <a:endParaRPr lang="ru-RU"/>
+          </a:p>
+        </p:txBody>
+      </p:sp>
+      <p:sp>
+        <p:nvSpPr>
+          <p:cNvPr id="3" name="Дата 2"/>
+          <p:cNvSpPr>
+            <a:spLocks noGrp="1"/>
+          </p:cNvSpPr>
+          <p:nvPr>
+            <p:ph type="dt" idx="1"/>
+          </p:nvPr>
+        </p:nvSpPr>
+        <p:spPr>
+          <a:xfrm>
+            <a:off x="11387138" y="0"/>
+            <a:ext cx="8712200" cy="566738"/>
+          </a:xfrm>
+          <a:prstGeom prst="rect">
+            <a:avLst/>
+          </a:prstGeom>
+        </p:spPr>
+        <p:txBody>
+          <a:bodyPr vert="horz" lIns="91440" tIns="45720" rIns="91440" bIns="45720" rtlCol="0"/>
+          <a:lstStyle>
+            <a:lvl1pPr algn="r">
+              <a:defRPr sz="1200"/>
+            </a:lvl1pPr>
+          </a:lstStyle>
+          <a:p>
+            <a:fld id="{34F3D1AB-724E-40C7-B428-DB8C29A49CF3}" type="datetimeFigureOut">
+              <a:rPr lang="ru-RU" smtClean="0"/>
+              <a:t>27.09.2022</a:t>
+            </a:fld>
+            <a:endParaRPr lang="ru-RU"/>
+          </a:p>
+        </p:txBody>
+      </p:sp>
+      <p:sp>
+        <p:nvSpPr>
+          <p:cNvPr id="4" name="Образ слайда 3"/>
+          <p:cNvSpPr>
+            <a:spLocks noGrp="1" noRot="1" noChangeAspect="1"/>
+          </p:cNvSpPr>
+          <p:nvPr>
+            <p:ph type="sldImg" idx="2"/>
+          </p:nvPr>
+        </p:nvSpPr>
+        <p:spPr>
+          <a:xfrm>
+            <a:off x="6659563" y="1414463"/>
+            <a:ext cx="6784975" cy="3816350"/>
+          </a:xfrm>
+          <a:prstGeom prst="rect">
+            <a:avLst/>
+          </a:prstGeom>
+          <a:noFill/>
+          <a:ln w="12700">
+            <a:solidFill>
+              <a:prstClr val="black"/>
+            </a:solidFill>
+          </a:ln>
+        </p:spPr>
+        <p:txBody>
+          <a:bodyPr vert="horz" lIns="91440" tIns="45720" rIns="91440" bIns="45720" rtlCol="0" anchor="ctr"/>
+          <a:lstStyle/>
+          <a:p>
+            <a:endParaRPr lang="ru-RU"/>
+          </a:p>
+        </p:txBody>
+      </p:sp>
+      <p:sp>
+        <p:nvSpPr>
+          <p:cNvPr id="5" name="Заметки 4"/>
+          <p:cNvSpPr>
+            <a:spLocks noGrp="1"/>
+          </p:cNvSpPr>
+          <p:nvPr>
+            <p:ph type="body" sz="quarter" idx="3"/>
+          </p:nvPr>
+        </p:nvSpPr>
+        <p:spPr>
+          <a:xfrm>
+            <a:off x="2009775" y="5441950"/>
+            <a:ext cx="16084550" cy="4454525"/>
+          </a:xfrm>
+          <a:prstGeom prst="rect">
+            <a:avLst/>
+          </a:prstGeom>
+        </p:spPr>
+        <p:txBody>
+          <a:bodyPr vert="horz" lIns="91440" tIns="45720" rIns="91440" bIns="45720" rtlCol="0"/>
+          <a:lstStyle/>
+          <a:p>
+            <a:pPr lvl="0"/>
+            <a:r>
+              <a:rPr lang="ru-RU" smtClean="0"/>
+              <a:t>Образец текста</a:t>
+            </a:r>
+          </a:p>
+          <a:p>
+            <a:pPr lvl="1"/>
+            <a:r>
+              <a:rPr lang="ru-RU" smtClean="0"/>
+              <a:t>Второй уровень</a:t>
+            </a:r>
+          </a:p>
+          <a:p>
+            <a:pPr lvl="2"/>
+            <a:r>
+              <a:rPr lang="ru-RU" smtClean="0"/>
+              <a:t>Третий уровень</a:t>
+            </a:r>
+          </a:p>
+          <a:p>
+            <a:pPr lvl="3"/>
+            <a:r>
+              <a:rPr lang="ru-RU" smtClean="0"/>
+              <a:t>Четвертый уровень</a:t>
+            </a:r>
+          </a:p>
+          <a:p>
+            <a:pPr lvl="4"/>
+            <a:r>
+              <a:rPr lang="ru-RU" smtClean="0"/>
+              <a:t>Пятый уровень</a:t>
+            </a:r>
+            <a:endParaRPr lang="ru-RU"/>
+          </a:p>
+        </p:txBody>
+      </p:sp>
+      <p:sp>
+        <p:nvSpPr>
+          <p:cNvPr id="6" name="Нижний колонтитул 5"/>
+          <p:cNvSpPr>
+            <a:spLocks noGrp="1"/>
+          </p:cNvSpPr>
+          <p:nvPr>
+            <p:ph type="ftr" sz="quarter" idx="4"/>
+          </p:nvPr>
+        </p:nvSpPr>
+        <p:spPr>
+          <a:xfrm>
+            <a:off x="0" y="10742613"/>
+            <a:ext cx="8712200" cy="566737"/>
+          </a:xfrm>
+          <a:prstGeom prst="rect">
+            <a:avLst/>
+          </a:prstGeom>
+        </p:spPr>
+        <p:txBody>
+          <a:bodyPr vert="horz" lIns="91440" tIns="45720" rIns="91440" bIns="45720" rtlCol="0" anchor="b"/>
+          <a:lstStyle>
+            <a:lvl1pPr algn="l">
+              <a:defRPr sz="1200"/>
+            </a:lvl1pPr>
+          </a:lstStyle>
+          <a:p>
+            <a:endParaRPr lang="ru-RU"/>
+          </a:p>
+        </p:txBody>
+      </p:sp>
+      <p:sp>
+        <p:nvSpPr>
+          <p:cNvPr id="7" name="Номер слайда 6"/>
+          <p:cNvSpPr>
+            <a:spLocks noGrp="1"/>
+          </p:cNvSpPr>
+          <p:nvPr>
+            <p:ph type="sldNum" sz="quarter" idx="5"/>
+          </p:nvPr>
+        </p:nvSpPr>
+        <p:spPr>
+          <a:xfrm>
+            <a:off x="11387138" y="10742613"/>
+            <a:ext cx="8712200" cy="566737"/>
+          </a:xfrm>
+          <a:prstGeom prst="rect">
+            <a:avLst/>
+          </a:prstGeom>
+        </p:spPr>
+        <p:txBody>
+          <a:bodyPr vert="horz" lIns="91440" tIns="45720" rIns="91440" bIns="45720" rtlCol="0" anchor="b"/>
+          <a:lstStyle>
+            <a:lvl1pPr algn="r">
+              <a:defRPr sz="1200"/>
+            </a:lvl1pPr>
+          </a:lstStyle>
+          <a:p>
+            <a:fld id="{0C84F012-29B1-4049-88F1-165A33DF3ECA}" type="slidenum">
+              <a:rPr lang="ru-RU" smtClean="0"/>
+              <a:t>‹#›</a:t>
+            </a:fld>
+            <a:endParaRPr lang="ru-RU"/>
+          </a:p>
+        </p:txBody>
+      </p:sp>
+    </p:spTree>
+    <p:extLst>
+      <p:ext uri="{BB962C8B-B14F-4D97-AF65-F5344CB8AC3E}">
+        <p14:creationId xmlns:p14="http://schemas.microsoft.com/office/powerpoint/2010/main" val="4248546078"/>
+      </p:ext>
+    </p:extLst>
+  </p:cSld>
+  <p:clrMap bg1="lt1" tx1="dk1" bg2="lt2" tx2="dk2" accent1="accent1" accent2="accent2" accent3="accent3" accent4="accent4" accent5="accent5" accent6="accent6" hlink="hlink" folHlink="folHlink"/>
+  <p:notesStyle>
+    <a:lvl1pPr marL="0" algn="l" defTabSz="914400" rtl="0" eaLnBrk="1" latinLnBrk="0" hangingPunct="1">
+      <a:defRPr sz="1200" kern="1200">
+        <a:solidFill>
+          <a:schemeClr val="tx1"/>
+        </a:solidFill>
+        <a:latin typeface="+mn-lt"/>
+        <a:ea typeface="+mn-ea"/>
+        <a:cs typeface="+mn-cs"/>
+      </a:defRPr>
+    </a:lvl1pPr>
+    <a:lvl2pPr marL="457200" algn="l" defTabSz="914400" rtl="0" eaLnBrk="1" latinLnBrk="0" hangingPunct="1">
+      <a:defRPr sz="1200" kern="1200">
+        <a:solidFill>
+          <a:schemeClr val="tx1"/>
+        </a:solidFill>
+        <a:latin typeface="+mn-lt"/>
+        <a:ea typeface="+mn-ea"/>
+        <a:cs typeface="+mn-cs"/>
+      </a:defRPr>
+    </a:lvl2pPr>
+    <a:lvl3pPr marL="914400" algn="l" defTabSz="914400" rtl="0" eaLnBrk="1" latinLnBrk="0" hangingPunct="1">
+      <a:defRPr sz="1200" kern="1200">
+        <a:solidFill>
+          <a:schemeClr val="tx1"/>
+        </a:solidFill>
+        <a:latin typeface="+mn-lt"/>
+        <a:ea typeface="+mn-ea"/>
+        <a:cs typeface="+mn-cs"/>
+      </a:defRPr>
+    </a:lvl3pPr>
+    <a:lvl4pPr marL="1371600" algn="l" defTabSz="914400" rtl="0" eaLnBrk="1" latinLnBrk="0" hangingPunct="1">
+      <a:defRPr sz="1200" kern="1200">
+        <a:solidFill>
+          <a:schemeClr val="tx1"/>
+        </a:solidFill>
+        <a:latin typeface="+mn-lt"/>
+        <a:ea typeface="+mn-ea"/>
+        <a:cs typeface="+mn-cs"/>
+      </a:defRPr>
+    </a:lvl4pPr>
+    <a:lvl5pPr marL="1828800" algn="l" defTabSz="914400" rtl="0" eaLnBrk="1" latinLnBrk="0" hangingPunct="1">
+      <a:defRPr sz="1200" kern="1200">
+        <a:solidFill>
+          <a:schemeClr val="tx1"/>
+        </a:solidFill>
+        <a:latin typeface="+mn-lt"/>
+        <a:ea typeface="+mn-ea"/>
+        <a:cs typeface="+mn-cs"/>
+      </a:defRPr>
+    </a:lvl5pPr>
+    <a:lvl6pPr marL="2286000" algn="l" defTabSz="914400" rtl="0" eaLnBrk="1" latinLnBrk="0" hangingPunct="1">
+      <a:defRPr sz="1200" kern="1200">
+        <a:solidFill>
+          <a:schemeClr val="tx1"/>
+        </a:solidFill>
+        <a:latin typeface="+mn-lt"/>
+        <a:ea typeface="+mn-ea"/>
+        <a:cs typeface="+mn-cs"/>
+      </a:defRPr>
+    </a:lvl6pPr>
+    <a:lvl7pPr marL="2743200" algn="l" defTabSz="914400" rtl="0" eaLnBrk="1" latinLnBrk="0" hangingPunct="1">
+      <a:defRPr sz="1200" kern="1200">
+        <a:solidFill>
+          <a:schemeClr val="tx1"/>
+        </a:solidFill>
+        <a:latin typeface="+mn-lt"/>
+        <a:ea typeface="+mn-ea"/>
+        <a:cs typeface="+mn-cs"/>
+      </a:defRPr>
+    </a:lvl7pPr>
+    <a:lvl8pPr marL="3200400" algn="l" defTabSz="914400" rtl="0" eaLnBrk="1" latinLnBrk="0" hangingPunct="1">
+      <a:defRPr sz="1200" kern="1200">
+        <a:solidFill>
+          <a:schemeClr val="tx1"/>
+        </a:solidFill>
+        <a:latin typeface="+mn-lt"/>
+        <a:ea typeface="+mn-ea"/>
+        <a:cs typeface="+mn-cs"/>
+      </a:defRPr>
+    </a:lvl8pPr>
+    <a:lvl9pPr marL="3657600" algn="l" defTabSz="914400" rtl="0" eaLnBrk="1" latinLnBrk="0" hangingPunct="1">
+      <a:defRPr sz="1200" kern="1200">
+        <a:solidFill>
+          <a:schemeClr val="tx1"/>
+        </a:solidFill>
+        <a:latin typeface="+mn-lt"/>
+        <a:ea typeface="+mn-ea"/>
+        <a:cs typeface="+mn-cs"/>
+      </a:defRPr>
+    </a:lvl9pPr>
+  </p:notesStyle>
+</p:notesMaster>
+</file>
+
+<file path=ppt/notesSlides/notesSlide1.xml><?xml version="1.0" encoding="utf-8"?>
+<p:notes xmlns:a="http://schemas.openxmlformats.org/drawingml/2006/main" xmlns:r="http://schemas.openxmlformats.org/officeDocument/2006/relationships" xmlns:p="http://schemas.openxmlformats.org/presentationml/2006/main">
+  <p:cSld>
+    <p:spTree>
+      <p:nvGrpSpPr>
+        <p:cNvPr id="1" name=""/>
+        <p:cNvGrpSpPr/>
+        <p:nvPr/>
+      </p:nvGrpSpPr>
+      <p:grpSpPr>
+        <a:xfrm>
+          <a:off x="0" y="0"/>
+          <a:ext cx="0" cy="0"/>
+          <a:chOff x="0" y="0"/>
+          <a:chExt cx="0" cy="0"/>
+        </a:xfrm>
+      </p:grpSpPr>
+      <p:sp>
+        <p:nvSpPr>
+          <p:cNvPr id="2" name="Образ слайда 1"/>
+          <p:cNvSpPr>
+            <a:spLocks noGrp="1" noRot="1" noChangeAspect="1"/>
+          </p:cNvSpPr>
+          <p:nvPr>
+            <p:ph type="sldImg"/>
+          </p:nvPr>
+        </p:nvSpPr>
+        <p:spPr/>
+      </p:sp>
+      <p:sp>
+        <p:nvSpPr>
+          <p:cNvPr id="3" name="Заметки 2"/>
+          <p:cNvSpPr>
+            <a:spLocks noGrp="1"/>
+          </p:cNvSpPr>
+          <p:nvPr>
+            <p:ph type="body" idx="1"/>
+          </p:nvPr>
+        </p:nvSpPr>
+        <p:spPr/>
+        <p:txBody>
+          <a:bodyPr/>
+          <a:lstStyle/>
+          <a:p>
+            <a:r>
+              <a:rPr lang="ru-RU" sz="1200" b="0" i="0" kern="1200" dirty="0" smtClean="0">
+                <a:solidFill>
+                  <a:schemeClr val="tx1"/>
+                </a:solidFill>
+                <a:effectLst/>
+                <a:latin typeface="+mn-lt"/>
+                <a:ea typeface="+mn-ea"/>
+                <a:cs typeface="+mn-cs"/>
+              </a:rPr>
+              <a:t>Добрый день, уважаемы студенты.</a:t>
+            </a:r>
+            <a:r>
+              <a:rPr lang="ru-RU" sz="1200" b="0" i="0" kern="1200" baseline="0" dirty="0" smtClean="0">
+                <a:solidFill>
+                  <a:schemeClr val="tx1"/>
+                </a:solidFill>
+                <a:effectLst/>
+                <a:latin typeface="+mn-lt"/>
+                <a:ea typeface="+mn-ea"/>
+                <a:cs typeface="+mn-cs"/>
+              </a:rPr>
+              <a:t> Добро пожаловать на видео-курс </a:t>
+            </a:r>
+            <a:r>
+              <a:rPr lang="ru-RU" sz="1200" b="0" i="0" kern="1200" dirty="0" smtClean="0">
+                <a:solidFill>
+                  <a:schemeClr val="tx1"/>
+                </a:solidFill>
+                <a:effectLst/>
+                <a:latin typeface="+mn-lt"/>
+                <a:ea typeface="+mn-ea"/>
+                <a:cs typeface="+mn-cs"/>
+              </a:rPr>
+              <a:t>посвящённый дисциплине "Государственные и муниципальные информационные системы"</a:t>
+            </a:r>
+            <a:endParaRPr lang="ru-RU" dirty="0"/>
+          </a:p>
+        </p:txBody>
+      </p:sp>
+      <p:sp>
+        <p:nvSpPr>
+          <p:cNvPr id="4" name="Номер слайда 3"/>
+          <p:cNvSpPr>
+            <a:spLocks noGrp="1"/>
+          </p:cNvSpPr>
+          <p:nvPr>
+            <p:ph type="sldNum" sz="quarter" idx="10"/>
+          </p:nvPr>
+        </p:nvSpPr>
+        <p:spPr/>
+        <p:txBody>
+          <a:bodyPr/>
+          <a:lstStyle/>
+          <a:p>
+            <a:fld id="{0C84F012-29B1-4049-88F1-165A33DF3ECA}" type="slidenum">
+              <a:rPr lang="ru-RU" smtClean="0"/>
+              <a:t>1</a:t>
+            </a:fld>
+            <a:endParaRPr lang="ru-RU"/>
+          </a:p>
+        </p:txBody>
+      </p:sp>
+    </p:spTree>
+    <p:extLst>
+      <p:ext uri="{BB962C8B-B14F-4D97-AF65-F5344CB8AC3E}">
+        <p14:creationId xmlns:p14="http://schemas.microsoft.com/office/powerpoint/2010/main" val="2641798611"/>
+      </p:ext>
+    </p:extLst>
+  </p:cSld>
+  <p:clrMapOvr>
+    <a:masterClrMapping/>
+  </p:clrMapOvr>
+</p:notes>
+</file>
+
+<file path=ppt/notesSlides/notesSlide2.xml><?xml version="1.0" encoding="utf-8"?>
+<p:notes xmlns:a="http://schemas.openxmlformats.org/drawingml/2006/main" xmlns:r="http://schemas.openxmlformats.org/officeDocument/2006/relationships" xmlns:p="http://schemas.openxmlformats.org/presentationml/2006/main">
+  <p:cSld>
+    <p:spTree>
+      <p:nvGrpSpPr>
+        <p:cNvPr id="1" name=""/>
+        <p:cNvGrpSpPr/>
+        <p:nvPr/>
+      </p:nvGrpSpPr>
+      <p:grpSpPr>
+        <a:xfrm>
+          <a:off x="0" y="0"/>
+          <a:ext cx="0" cy="0"/>
+          <a:chOff x="0" y="0"/>
+          <a:chExt cx="0" cy="0"/>
+        </a:xfrm>
+      </p:grpSpPr>
+      <p:sp>
+        <p:nvSpPr>
+          <p:cNvPr id="2" name="Образ слайда 1"/>
+          <p:cNvSpPr>
+            <a:spLocks noGrp="1" noRot="1" noChangeAspect="1"/>
+          </p:cNvSpPr>
+          <p:nvPr>
+            <p:ph type="sldImg"/>
+          </p:nvPr>
+        </p:nvSpPr>
+        <p:spPr/>
+      </p:sp>
+      <p:sp>
+        <p:nvSpPr>
+          <p:cNvPr id="3" name="Заметки 2"/>
+          <p:cNvSpPr>
+            <a:spLocks noGrp="1"/>
+          </p:cNvSpPr>
+          <p:nvPr>
+            <p:ph type="body" idx="1"/>
+          </p:nvPr>
+        </p:nvSpPr>
+        <p:spPr/>
+        <p:txBody>
+          <a:bodyPr/>
+          <a:lstStyle/>
+          <a:p>
+            <a:r>
+              <a:rPr lang="ru-RU" sz="1200" b="0" i="0" kern="1200" dirty="0" smtClean="0">
+                <a:solidFill>
+                  <a:schemeClr val="tx1"/>
+                </a:solidFill>
+                <a:effectLst/>
+                <a:latin typeface="+mn-lt"/>
+                <a:ea typeface="+mn-ea"/>
+                <a:cs typeface="+mn-cs"/>
+              </a:rPr>
+              <a:t>Данное видео является Вводным.</a:t>
+            </a:r>
+            <a:r>
+              <a:rPr lang="ru-RU" sz="1200" b="0" i="0" kern="1200" baseline="0" dirty="0" smtClean="0">
+                <a:solidFill>
+                  <a:schemeClr val="tx1"/>
+                </a:solidFill>
+                <a:effectLst/>
+                <a:latin typeface="+mn-lt"/>
+                <a:ea typeface="+mn-ea"/>
+                <a:cs typeface="+mn-cs"/>
+              </a:rPr>
+              <a:t> М</a:t>
+            </a:r>
+            <a:r>
+              <a:rPr lang="ru-RU" sz="1200" b="0" i="0" kern="1200" dirty="0" smtClean="0">
+                <a:solidFill>
+                  <a:schemeClr val="tx1"/>
+                </a:solidFill>
+                <a:effectLst/>
+                <a:latin typeface="+mn-lt"/>
+                <a:ea typeface="+mn-ea"/>
+                <a:cs typeface="+mn-cs"/>
+              </a:rPr>
+              <a:t>ы рассмотрим такие понятие как ГИС(государственные информационные системы), информационное общество, а так же его концепции.</a:t>
+            </a:r>
+          </a:p>
+          <a:p>
+            <a:endParaRPr lang="ru-RU" sz="1200" b="0" i="0" kern="1200" dirty="0" smtClean="0">
+              <a:solidFill>
+                <a:schemeClr val="tx1"/>
+              </a:solidFill>
+              <a:effectLst/>
+              <a:latin typeface="+mn-lt"/>
+              <a:ea typeface="+mn-ea"/>
+              <a:cs typeface="+mn-cs"/>
+            </a:endParaRPr>
+          </a:p>
+          <a:p>
+            <a:r>
+              <a:rPr lang="ru-RU" sz="1200" b="0" i="0" kern="1200" dirty="0" smtClean="0">
+                <a:solidFill>
+                  <a:schemeClr val="tx1"/>
+                </a:solidFill>
+                <a:effectLst/>
+                <a:latin typeface="+mn-lt"/>
+                <a:ea typeface="+mn-ea"/>
+                <a:cs typeface="+mn-cs"/>
+              </a:rPr>
+              <a:t>Начнем</a:t>
+            </a:r>
+            <a:r>
+              <a:rPr lang="ru-RU" sz="1200" b="0" i="0" kern="1200" baseline="0" dirty="0" smtClean="0">
+                <a:solidFill>
+                  <a:schemeClr val="tx1"/>
+                </a:solidFill>
+                <a:effectLst/>
+                <a:latin typeface="+mn-lt"/>
+                <a:ea typeface="+mn-ea"/>
+                <a:cs typeface="+mn-cs"/>
+              </a:rPr>
+              <a:t> с понятия Государственные информационные системы</a:t>
+            </a:r>
+            <a:r>
+              <a:rPr lang="en-US" sz="1200" b="0" i="0" kern="1200" baseline="0" dirty="0" smtClean="0">
+                <a:solidFill>
+                  <a:schemeClr val="tx1"/>
+                </a:solidFill>
+                <a:effectLst/>
+                <a:latin typeface="+mn-lt"/>
+                <a:ea typeface="+mn-ea"/>
+                <a:cs typeface="+mn-cs"/>
+              </a:rPr>
+              <a:t>:</a:t>
+            </a:r>
+          </a:p>
+          <a:p>
+            <a:endParaRPr lang="ru-RU" sz="1200" b="0" i="0" kern="1200" dirty="0" smtClean="0">
+              <a:solidFill>
+                <a:schemeClr val="tx1"/>
+              </a:solidFill>
+              <a:effectLst/>
+              <a:latin typeface="+mn-lt"/>
+              <a:ea typeface="+mn-ea"/>
+              <a:cs typeface="+mn-cs"/>
+            </a:endParaRPr>
+          </a:p>
+          <a:p>
+            <a:r>
+              <a:rPr lang="ru-RU" sz="1200" b="0" i="0" kern="1200" dirty="0" smtClean="0">
+                <a:solidFill>
+                  <a:schemeClr val="tx1"/>
+                </a:solidFill>
+                <a:effectLst/>
+                <a:latin typeface="+mn-lt"/>
+                <a:ea typeface="+mn-ea"/>
+                <a:cs typeface="+mn-cs"/>
+              </a:rPr>
+              <a:t>Согласно закону государственными информационными системами являются федеральные информационные системы и региональные ИС, созданные на основании соответственно федеральных законов, законов субъектов РФ, на основании правовых актов государственных органов.</a:t>
+            </a:r>
+          </a:p>
+          <a:p>
+            <a:endParaRPr lang="ru-RU" sz="1200" b="0" i="0" kern="1200" dirty="0" smtClean="0">
+              <a:solidFill>
+                <a:schemeClr val="tx1"/>
+              </a:solidFill>
+              <a:effectLst/>
+              <a:latin typeface="+mn-lt"/>
+              <a:ea typeface="+mn-ea"/>
+              <a:cs typeface="+mn-cs"/>
+            </a:endParaRPr>
+          </a:p>
+          <a:p>
+            <a:r>
+              <a:rPr lang="ru-RU" sz="1200" b="0" i="0" kern="1200" dirty="0" smtClean="0">
+                <a:solidFill>
+                  <a:schemeClr val="tx1"/>
+                </a:solidFill>
+                <a:effectLst/>
+                <a:latin typeface="+mn-lt"/>
+                <a:ea typeface="+mn-ea"/>
+                <a:cs typeface="+mn-cs"/>
+              </a:rPr>
+              <a:t>В качестве примера ГИС можно привести такие информационные системы как: Федеральная адресная система, Единая информационная система в сфере закупок, Государственная информационная система топливно-энергетического комплекса</a:t>
+            </a:r>
+          </a:p>
+          <a:p>
+            <a:endParaRPr lang="ru-RU" dirty="0"/>
+          </a:p>
+        </p:txBody>
+      </p:sp>
+      <p:sp>
+        <p:nvSpPr>
+          <p:cNvPr id="4" name="Номер слайда 3"/>
+          <p:cNvSpPr>
+            <a:spLocks noGrp="1"/>
+          </p:cNvSpPr>
+          <p:nvPr>
+            <p:ph type="sldNum" sz="quarter" idx="10"/>
+          </p:nvPr>
+        </p:nvSpPr>
+        <p:spPr/>
+        <p:txBody>
+          <a:bodyPr/>
+          <a:lstStyle/>
+          <a:p>
+            <a:fld id="{0C84F012-29B1-4049-88F1-165A33DF3ECA}" type="slidenum">
+              <a:rPr lang="ru-RU" smtClean="0"/>
+              <a:t>2</a:t>
+            </a:fld>
+            <a:endParaRPr lang="ru-RU"/>
+          </a:p>
+        </p:txBody>
+      </p:sp>
+    </p:spTree>
+    <p:extLst>
+      <p:ext uri="{BB962C8B-B14F-4D97-AF65-F5344CB8AC3E}">
+        <p14:creationId xmlns:p14="http://schemas.microsoft.com/office/powerpoint/2010/main" val="226955816"/>
+      </p:ext>
+    </p:extLst>
+  </p:cSld>
+  <p:clrMapOvr>
+    <a:masterClrMapping/>
+  </p:clrMapOvr>
+</p:notes>
+</file>
+
+<file path=ppt/notesSlides/notesSlide3.xml><?xml version="1.0" encoding="utf-8"?>
+<p:notes xmlns:a="http://schemas.openxmlformats.org/drawingml/2006/main" xmlns:r="http://schemas.openxmlformats.org/officeDocument/2006/relationships" xmlns:p="http://schemas.openxmlformats.org/presentationml/2006/main">
+  <p:cSld>
+    <p:spTree>
+      <p:nvGrpSpPr>
+        <p:cNvPr id="1" name=""/>
+        <p:cNvGrpSpPr/>
+        <p:nvPr/>
+      </p:nvGrpSpPr>
+      <p:grpSpPr>
+        <a:xfrm>
+          <a:off x="0" y="0"/>
+          <a:ext cx="0" cy="0"/>
+          <a:chOff x="0" y="0"/>
+          <a:chExt cx="0" cy="0"/>
+        </a:xfrm>
+      </p:grpSpPr>
+      <p:sp>
+        <p:nvSpPr>
+          <p:cNvPr id="2" name="Образ слайда 1"/>
+          <p:cNvSpPr>
+            <a:spLocks noGrp="1" noRot="1" noChangeAspect="1"/>
+          </p:cNvSpPr>
+          <p:nvPr>
+            <p:ph type="sldImg"/>
+          </p:nvPr>
+        </p:nvSpPr>
+        <p:spPr/>
+      </p:sp>
+      <p:sp>
+        <p:nvSpPr>
+          <p:cNvPr id="3" name="Заметки 2"/>
+          <p:cNvSpPr>
+            <a:spLocks noGrp="1"/>
+          </p:cNvSpPr>
+          <p:nvPr>
+            <p:ph type="body" idx="1"/>
+          </p:nvPr>
+        </p:nvSpPr>
+        <p:spPr/>
+        <p:txBody>
+          <a:bodyPr/>
+          <a:lstStyle/>
+          <a:p>
+            <a:r>
+              <a:rPr lang="ru-RU" sz="1200" b="0" i="0" kern="1200" dirty="0" smtClean="0">
+                <a:solidFill>
+                  <a:schemeClr val="tx1"/>
+                </a:solidFill>
+                <a:effectLst/>
+                <a:latin typeface="+mn-lt"/>
+                <a:ea typeface="+mn-ea"/>
+                <a:cs typeface="+mn-cs"/>
+              </a:rPr>
+              <a:t>Как</a:t>
+            </a:r>
+            <a:r>
+              <a:rPr lang="ru-RU" sz="1200" b="0" i="0" kern="1200" baseline="0" dirty="0" smtClean="0">
+                <a:solidFill>
+                  <a:schemeClr val="tx1"/>
+                </a:solidFill>
+                <a:effectLst/>
+                <a:latin typeface="+mn-lt"/>
+                <a:ea typeface="+mn-ea"/>
+                <a:cs typeface="+mn-cs"/>
+              </a:rPr>
+              <a:t> вы наверное заметили, в</a:t>
+            </a:r>
+            <a:r>
+              <a:rPr lang="ru-RU" sz="1200" b="0" i="0" kern="1200" dirty="0" smtClean="0">
+                <a:solidFill>
+                  <a:schemeClr val="tx1"/>
+                </a:solidFill>
+                <a:effectLst/>
+                <a:latin typeface="+mn-lt"/>
+                <a:ea typeface="+mn-ea"/>
+                <a:cs typeface="+mn-cs"/>
+              </a:rPr>
+              <a:t> последние годы достаточно быстрым темпом развивается деятельность электронного правительства, что в свою очередь позитивно сказывается на общем состоянии информатизации в России. </a:t>
+            </a:r>
+          </a:p>
+          <a:p>
+            <a:r>
+              <a:rPr lang="ru-RU" sz="1200" b="0" i="0" kern="1200" dirty="0" smtClean="0">
+                <a:solidFill>
+                  <a:schemeClr val="tx1"/>
+                </a:solidFill>
+                <a:effectLst/>
+                <a:latin typeface="+mn-lt"/>
+                <a:ea typeface="+mn-ea"/>
+                <a:cs typeface="+mn-cs"/>
+              </a:rPr>
+              <a:t>Использование инфраструктуры информационных и коммуникационных технологий многим субъектам РФ дало возможность наладить взаимоотношение с населением, и способствовать развитию информационного общества.</a:t>
+            </a:r>
+          </a:p>
+          <a:p>
+            <a:endParaRPr lang="ru-RU" sz="1200" b="0" i="0" kern="1200" dirty="0" smtClean="0">
+              <a:solidFill>
+                <a:schemeClr val="tx1"/>
+              </a:solidFill>
+              <a:effectLst/>
+              <a:latin typeface="+mn-lt"/>
+              <a:ea typeface="+mn-ea"/>
+              <a:cs typeface="+mn-cs"/>
+            </a:endParaRPr>
+          </a:p>
+          <a:p>
+            <a:r>
+              <a:rPr lang="ru-RU" sz="1200" b="0" i="0" kern="1200" dirty="0" smtClean="0">
+                <a:solidFill>
+                  <a:schemeClr val="tx1"/>
+                </a:solidFill>
+                <a:effectLst/>
+                <a:latin typeface="+mn-lt"/>
+                <a:ea typeface="+mn-ea"/>
+                <a:cs typeface="+mn-cs"/>
+              </a:rPr>
+              <a:t>Стратегия</a:t>
+            </a:r>
+            <a:r>
+              <a:rPr lang="ru-RU" sz="1200" b="0" i="0" kern="1200" baseline="0" dirty="0" smtClean="0">
+                <a:solidFill>
+                  <a:schemeClr val="tx1"/>
+                </a:solidFill>
+                <a:effectLst/>
+                <a:latin typeface="+mn-lt"/>
+                <a:ea typeface="+mn-ea"/>
+                <a:cs typeface="+mn-cs"/>
+              </a:rPr>
+              <a:t> развития информационного общества в России утверждена распоряжением Президента Российской федерации от 7 февраля 2008 г. Приказ № 212.</a:t>
+            </a:r>
+          </a:p>
+          <a:p>
+            <a:endParaRPr lang="ru-RU" sz="1200" b="0" i="0" kern="1200" baseline="0" dirty="0" smtClean="0">
+              <a:solidFill>
+                <a:schemeClr val="tx1"/>
+              </a:solidFill>
+              <a:effectLst/>
+              <a:latin typeface="+mn-lt"/>
+              <a:ea typeface="+mn-ea"/>
+              <a:cs typeface="+mn-cs"/>
+            </a:endParaRPr>
+          </a:p>
+          <a:p>
+            <a:r>
+              <a:rPr lang="ru-RU" sz="1200" b="0" i="0" kern="1200" baseline="0" dirty="0" smtClean="0">
+                <a:solidFill>
+                  <a:schemeClr val="tx1"/>
+                </a:solidFill>
+                <a:effectLst/>
+                <a:latin typeface="+mn-lt"/>
+                <a:ea typeface="+mn-ea"/>
+                <a:cs typeface="+mn-cs"/>
+              </a:rPr>
+              <a:t>Основными целями формирования и развития информационного общества РФ являются</a:t>
+            </a:r>
+            <a:r>
+              <a:rPr lang="en-US" sz="1200" b="0" i="0" kern="1200" baseline="0" dirty="0" smtClean="0">
+                <a:solidFill>
+                  <a:schemeClr val="tx1"/>
+                </a:solidFill>
+                <a:effectLst/>
+                <a:latin typeface="+mn-lt"/>
+                <a:ea typeface="+mn-ea"/>
+                <a:cs typeface="+mn-cs"/>
+              </a:rPr>
+              <a:t>: </a:t>
+            </a:r>
+            <a:endParaRPr lang="ru-RU" sz="1200" b="0" i="0" kern="1200" baseline="0" dirty="0" smtClean="0">
+              <a:solidFill>
+                <a:schemeClr val="tx1"/>
+              </a:solidFill>
+              <a:effectLst/>
+              <a:latin typeface="+mn-lt"/>
+              <a:ea typeface="+mn-ea"/>
+              <a:cs typeface="+mn-cs"/>
+            </a:endParaRPr>
+          </a:p>
+          <a:p>
+            <a:pPr marL="171450" indent="-171450">
+              <a:buFontTx/>
+              <a:buChar char="-"/>
+            </a:pPr>
+            <a:r>
+              <a:rPr lang="ru-RU" sz="1200" b="0" i="0" kern="1200" baseline="0" dirty="0" smtClean="0">
+                <a:solidFill>
+                  <a:schemeClr val="tx1"/>
+                </a:solidFill>
+                <a:effectLst/>
+                <a:latin typeface="+mn-lt"/>
+                <a:ea typeface="+mn-ea"/>
+                <a:cs typeface="+mn-cs"/>
+              </a:rPr>
+              <a:t>Повышение качества жизни граждан</a:t>
+            </a:r>
+          </a:p>
+          <a:p>
+            <a:pPr marL="171450" indent="-171450">
+              <a:buFontTx/>
+              <a:buChar char="-"/>
+            </a:pPr>
+            <a:r>
+              <a:rPr lang="ru-RU" sz="1200" b="0" i="0" kern="1200" baseline="0" dirty="0" smtClean="0">
+                <a:solidFill>
+                  <a:schemeClr val="tx1"/>
+                </a:solidFill>
+                <a:effectLst/>
+                <a:latin typeface="+mn-lt"/>
+                <a:ea typeface="+mn-ea"/>
+                <a:cs typeface="+mn-cs"/>
+              </a:rPr>
+              <a:t>Обеспечение конкурентоспособности России </a:t>
+            </a:r>
+          </a:p>
+          <a:p>
+            <a:pPr marL="171450" indent="-171450">
+              <a:buFontTx/>
+              <a:buChar char="-"/>
+            </a:pPr>
+            <a:r>
+              <a:rPr lang="ru-RU" sz="1200" b="0" i="0" kern="1200" baseline="0" dirty="0" smtClean="0">
+                <a:solidFill>
+                  <a:schemeClr val="tx1"/>
+                </a:solidFill>
+                <a:effectLst/>
+                <a:latin typeface="+mn-lt"/>
+                <a:ea typeface="+mn-ea"/>
+                <a:cs typeface="+mn-cs"/>
+              </a:rPr>
+              <a:t>развитие социально-политической, экономической, культурной и духовной сфер жизни общества,</a:t>
+            </a:r>
+          </a:p>
+          <a:p>
+            <a:pPr marL="171450" indent="-171450">
+              <a:buFontTx/>
+              <a:buChar char="-"/>
+            </a:pPr>
+            <a:r>
+              <a:rPr lang="ru-RU" sz="1200" b="0" i="0" kern="1200" baseline="0" dirty="0" smtClean="0">
+                <a:solidFill>
+                  <a:schemeClr val="tx1"/>
+                </a:solidFill>
+                <a:effectLst/>
+                <a:latin typeface="+mn-lt"/>
+                <a:ea typeface="+mn-ea"/>
+                <a:cs typeface="+mn-cs"/>
+              </a:rPr>
+              <a:t>совершенствование системы государственного управления на основе использования информационных и телекоммуникационных технологий.</a:t>
+            </a:r>
+          </a:p>
+          <a:p>
+            <a:r>
+              <a:rPr lang="ru-RU" sz="1200" b="0" i="0" kern="1200" baseline="0" dirty="0" smtClean="0">
+                <a:solidFill>
+                  <a:schemeClr val="tx1"/>
+                </a:solidFill>
+                <a:effectLst/>
+                <a:latin typeface="+mn-lt"/>
+                <a:ea typeface="+mn-ea"/>
+                <a:cs typeface="+mn-cs"/>
+              </a:rPr>
+              <a:t> </a:t>
+            </a:r>
+            <a:endParaRPr lang="ru-RU" sz="1200" b="0" i="0" kern="1200" dirty="0" smtClean="0">
+              <a:solidFill>
+                <a:schemeClr val="tx1"/>
+              </a:solidFill>
+              <a:effectLst/>
+              <a:latin typeface="+mn-lt"/>
+              <a:ea typeface="+mn-ea"/>
+              <a:cs typeface="+mn-cs"/>
+            </a:endParaRPr>
+          </a:p>
+          <a:p>
+            <a:r>
+              <a:rPr lang="ru-RU" sz="1200" b="0" i="0" kern="1200" dirty="0" smtClean="0">
+                <a:solidFill>
+                  <a:schemeClr val="tx1"/>
+                </a:solidFill>
+                <a:effectLst/>
+                <a:latin typeface="+mn-lt"/>
+                <a:ea typeface="+mn-ea"/>
+                <a:cs typeface="+mn-cs"/>
+              </a:rPr>
+              <a:t>Давайте</a:t>
+            </a:r>
+            <a:r>
+              <a:rPr lang="ru-RU" sz="1200" b="0" i="0" kern="1200" baseline="0" dirty="0" smtClean="0">
+                <a:solidFill>
+                  <a:schemeClr val="tx1"/>
+                </a:solidFill>
+                <a:effectLst/>
+                <a:latin typeface="+mn-lt"/>
+                <a:ea typeface="+mn-ea"/>
+                <a:cs typeface="+mn-cs"/>
+              </a:rPr>
+              <a:t> дадим определение понятию информационное общество.</a:t>
+            </a:r>
+          </a:p>
+          <a:p>
+            <a:endParaRPr lang="ru-RU" sz="1200" b="0" i="0" kern="1200" dirty="0" smtClean="0">
+              <a:solidFill>
+                <a:schemeClr val="tx1"/>
+              </a:solidFill>
+              <a:effectLst/>
+              <a:latin typeface="+mn-lt"/>
+              <a:ea typeface="+mn-ea"/>
+              <a:cs typeface="+mn-cs"/>
+            </a:endParaRPr>
+          </a:p>
+          <a:p>
+            <a:r>
+              <a:rPr lang="ru-RU" sz="1200" b="1" i="0" kern="1200" dirty="0" err="1" smtClean="0">
+                <a:solidFill>
+                  <a:schemeClr val="tx1"/>
+                </a:solidFill>
+                <a:effectLst/>
+                <a:latin typeface="+mn-lt"/>
+                <a:ea typeface="+mn-ea"/>
+                <a:cs typeface="+mn-cs"/>
+              </a:rPr>
+              <a:t>Информацио́нное</a:t>
+            </a:r>
+            <a:r>
+              <a:rPr lang="ru-RU" sz="1200" b="1" i="0" kern="1200" dirty="0" smtClean="0">
+                <a:solidFill>
+                  <a:schemeClr val="tx1"/>
+                </a:solidFill>
+                <a:effectLst/>
+                <a:latin typeface="+mn-lt"/>
+                <a:ea typeface="+mn-ea"/>
+                <a:cs typeface="+mn-cs"/>
+              </a:rPr>
+              <a:t> </a:t>
+            </a:r>
+            <a:r>
+              <a:rPr lang="ru-RU" sz="1200" b="1" i="0" kern="1200" dirty="0" err="1" smtClean="0">
+                <a:solidFill>
+                  <a:schemeClr val="tx1"/>
+                </a:solidFill>
+                <a:effectLst/>
+                <a:latin typeface="+mn-lt"/>
+                <a:ea typeface="+mn-ea"/>
+                <a:cs typeface="+mn-cs"/>
+              </a:rPr>
+              <a:t>о́бщество</a:t>
+            </a:r>
+            <a:r>
+              <a:rPr lang="ru-RU" sz="1200" b="0" i="0" kern="1200" dirty="0" smtClean="0">
+                <a:solidFill>
+                  <a:schemeClr val="tx1"/>
+                </a:solidFill>
+                <a:effectLst/>
+                <a:latin typeface="+mn-lt"/>
+                <a:ea typeface="+mn-ea"/>
+                <a:cs typeface="+mn-cs"/>
+              </a:rPr>
+              <a:t> — общество, в котором большинство работающих занято производством, хранением, переработкой и реализацией </a:t>
+            </a:r>
+            <a:r>
+              <a:rPr lang="ru-RU" sz="1200" b="0" i="0" u="none" strike="noStrike" kern="1200" dirty="0" smtClean="0">
+                <a:solidFill>
+                  <a:schemeClr val="tx1"/>
+                </a:solidFill>
+                <a:effectLst/>
+                <a:latin typeface="+mn-lt"/>
+                <a:ea typeface="+mn-ea"/>
+                <a:cs typeface="+mn-cs"/>
+                <a:hlinkClick r:id="rId3"/>
+              </a:rPr>
+              <a:t>информации</a:t>
+            </a:r>
+            <a:r>
+              <a:rPr lang="ru-RU" sz="1200" b="0" i="0" kern="1200" dirty="0" smtClean="0">
+                <a:solidFill>
+                  <a:schemeClr val="tx1"/>
+                </a:solidFill>
+                <a:effectLst/>
+                <a:latin typeface="+mn-lt"/>
+                <a:ea typeface="+mn-ea"/>
+                <a:cs typeface="+mn-cs"/>
+              </a:rPr>
+              <a:t>, особенно высшей её формы — </a:t>
+            </a:r>
+            <a:r>
+              <a:rPr lang="ru-RU" sz="1200" b="0" i="0" u="none" strike="noStrike" kern="1200" dirty="0" smtClean="0">
+                <a:solidFill>
+                  <a:schemeClr val="tx1"/>
+                </a:solidFill>
+                <a:effectLst/>
+                <a:latin typeface="+mn-lt"/>
+                <a:ea typeface="+mn-ea"/>
+                <a:cs typeface="+mn-cs"/>
+                <a:hlinkClick r:id="rId4" tooltip="Знание"/>
+              </a:rPr>
+              <a:t>знаний</a:t>
+            </a:r>
+            <a:r>
+              <a:rPr lang="ru-RU" sz="1200" b="0" i="0" kern="1200" dirty="0" smtClean="0">
+                <a:solidFill>
+                  <a:schemeClr val="tx1"/>
+                </a:solidFill>
+                <a:effectLst/>
+                <a:latin typeface="+mn-lt"/>
+                <a:ea typeface="+mn-ea"/>
+                <a:cs typeface="+mn-cs"/>
+              </a:rPr>
+              <a:t>. </a:t>
+            </a:r>
+          </a:p>
+          <a:p>
+            <a:endParaRPr lang="ru-RU" sz="1200" b="0" i="0" kern="1200" dirty="0" smtClean="0">
+              <a:solidFill>
+                <a:schemeClr val="tx1"/>
+              </a:solidFill>
+              <a:effectLst/>
+              <a:latin typeface="+mn-lt"/>
+              <a:ea typeface="+mn-ea"/>
+              <a:cs typeface="+mn-cs"/>
+            </a:endParaRPr>
+          </a:p>
+          <a:p>
+            <a:endParaRPr lang="ru-RU" sz="1200" b="0" i="0" kern="1200" dirty="0" smtClean="0">
+              <a:solidFill>
+                <a:schemeClr val="tx1"/>
+              </a:solidFill>
+              <a:effectLst/>
+              <a:latin typeface="+mn-lt"/>
+              <a:ea typeface="+mn-ea"/>
+              <a:cs typeface="+mn-cs"/>
+            </a:endParaRPr>
+          </a:p>
+          <a:p>
+            <a:endParaRPr lang="ru-RU" sz="1200" b="0" i="0" kern="1200" dirty="0" smtClean="0">
+              <a:solidFill>
+                <a:schemeClr val="tx1"/>
+              </a:solidFill>
+              <a:effectLst/>
+              <a:latin typeface="+mn-lt"/>
+              <a:ea typeface="+mn-ea"/>
+              <a:cs typeface="+mn-cs"/>
+            </a:endParaRPr>
+          </a:p>
+          <a:p>
+            <a:endParaRPr lang="ru-RU" sz="1200" b="0" i="0" kern="1200" dirty="0" smtClean="0">
+              <a:solidFill>
+                <a:schemeClr val="tx1"/>
+              </a:solidFill>
+              <a:effectLst/>
+              <a:latin typeface="+mn-lt"/>
+              <a:ea typeface="+mn-ea"/>
+              <a:cs typeface="+mn-cs"/>
+            </a:endParaRPr>
+          </a:p>
+          <a:p>
+            <a:endParaRPr lang="ru-RU" sz="1200" b="0" i="0" kern="1200" dirty="0" smtClean="0">
+              <a:solidFill>
+                <a:schemeClr val="tx1"/>
+              </a:solidFill>
+              <a:effectLst/>
+              <a:latin typeface="+mn-lt"/>
+              <a:ea typeface="+mn-ea"/>
+              <a:cs typeface="+mn-cs"/>
+            </a:endParaRPr>
+          </a:p>
+          <a:p>
+            <a:endParaRPr lang="ru-RU" dirty="0"/>
+          </a:p>
+        </p:txBody>
+      </p:sp>
+      <p:sp>
+        <p:nvSpPr>
+          <p:cNvPr id="4" name="Номер слайда 3"/>
+          <p:cNvSpPr>
+            <a:spLocks noGrp="1"/>
+          </p:cNvSpPr>
+          <p:nvPr>
+            <p:ph type="sldNum" sz="quarter" idx="10"/>
+          </p:nvPr>
+        </p:nvSpPr>
+        <p:spPr/>
+        <p:txBody>
+          <a:bodyPr/>
+          <a:lstStyle/>
+          <a:p>
+            <a:fld id="{0C84F012-29B1-4049-88F1-165A33DF3ECA}" type="slidenum">
+              <a:rPr lang="ru-RU" smtClean="0"/>
+              <a:t>3</a:t>
+            </a:fld>
+            <a:endParaRPr lang="ru-RU"/>
+          </a:p>
+        </p:txBody>
+      </p:sp>
+    </p:spTree>
+    <p:extLst>
+      <p:ext uri="{BB962C8B-B14F-4D97-AF65-F5344CB8AC3E}">
+        <p14:creationId xmlns:p14="http://schemas.microsoft.com/office/powerpoint/2010/main" val="2470667564"/>
+      </p:ext>
+    </p:extLst>
+  </p:cSld>
+  <p:clrMapOvr>
+    <a:masterClrMapping/>
+  </p:clrMapOvr>
+</p:notes>
+</file>
+
 <file path=ppt/slideLayouts/slideLayout1.xml><?xml version="1.0" encoding="utf-8"?>
-<p:sldLayout xmlns:a="http://schemas.openxmlformats.org/drawingml/2006/main" xmlns:r="http://schemas.openxmlformats.org/officeDocument/2006/relationships" xmlns:p="http://schemas.openxmlformats.org/presentationml/2006/main" preserve="1" type="obj">
+<p:sldLayout xmlns:a="http://schemas.openxmlformats.org/drawingml/2006/main" xmlns:r="http://schemas.openxmlformats.org/officeDocument/2006/relationships" xmlns:p="http://schemas.openxmlformats.org/presentationml/2006/main" type="obj" preserve="1">
   <p:cSld name="Title Slide">
     <p:spTree>
       <p:nvGrpSpPr>
@@ -59,7 +1370,9 @@
               <a:defRPr/>
             </a:lvl1pPr>
           </a:lstStyle>
-          <a:p/>
+          <a:p>
+            <a:endParaRPr/>
+          </a:p>
         </p:txBody>
       </p:sp>
       <p:sp>
@@ -90,7 +1403,9 @@
               <a:defRPr/>
             </a:lvl1pPr>
           </a:lstStyle>
-          <a:p/>
+          <a:p>
+            <a:endParaRPr/>
+          </a:p>
         </p:txBody>
       </p:sp>
       <p:sp>
@@ -100,7 +1415,7 @@
             <a:spLocks noGrp="1"/>
           </p:cNvSpPr>
           <p:nvPr>
-            <p:ph type="ftr" idx="5" sz="quarter"/>
+            <p:ph type="ftr" sz="quarter" idx="5"/>
           </p:nvPr>
         </p:nvSpPr>
         <p:spPr/>
@@ -117,7 +1432,9 @@
               </a:defRPr>
             </a:lvl1pPr>
           </a:lstStyle>
-          <a:p/>
+          <a:p>
+            <a:endParaRPr/>
+          </a:p>
         </p:txBody>
       </p:sp>
       <p:sp>
@@ -127,7 +1444,7 @@
             <a:spLocks noGrp="1"/>
           </p:cNvSpPr>
           <p:nvPr>
-            <p:ph type="dt" idx="6" sz="half"/>
+            <p:ph type="dt" sz="half" idx="6"/>
           </p:nvPr>
         </p:nvSpPr>
         <p:spPr/>
@@ -147,7 +1464,9 @@
           <a:p>
             <a:fld id="{1D8BD707-D9CF-40AE-B4C6-C98DA3205C09}" type="datetimeFigureOut">
               <a:rPr lang="en-US"/>
+              <a:t>9/27/2022</a:t>
             </a:fld>
+            <a:endParaRPr lang="en-US"/>
           </a:p>
         </p:txBody>
       </p:sp>
@@ -158,7 +1477,7 @@
             <a:spLocks noGrp="1"/>
           </p:cNvSpPr>
           <p:nvPr>
-            <p:ph type="sldNum" idx="7" sz="quarter"/>
+            <p:ph type="sldNum" sz="quarter" idx="7"/>
           </p:nvPr>
         </p:nvSpPr>
         <p:spPr/>
@@ -177,8 +1496,9 @@
           </a:lstStyle>
           <a:p>
             <a:fld id="{B6F15528-21DE-4FAA-801E-634DDDAF4B2B}" type="slidenum">
-              <a:t>#</a:t>
+              <a:t>‹#›</a:t>
             </a:fld>
+            <a:endParaRPr/>
           </a:p>
         </p:txBody>
       </p:sp>
@@ -191,7 +1511,7 @@
 </file>
 
 <file path=ppt/slideLayouts/slideLayout2.xml><?xml version="1.0" encoding="utf-8"?>
-<p:sldLayout xmlns:a="http://schemas.openxmlformats.org/drawingml/2006/main" xmlns:r="http://schemas.openxmlformats.org/officeDocument/2006/relationships" xmlns:p="http://schemas.openxmlformats.org/presentationml/2006/main" preserve="1" type="obj">
+<p:sldLayout xmlns:a="http://schemas.openxmlformats.org/drawingml/2006/main" xmlns:r="http://schemas.openxmlformats.org/officeDocument/2006/relationships" xmlns:p="http://schemas.openxmlformats.org/presentationml/2006/main" type="obj" preserve="1">
   <p:cSld name="Title and Content">
     <p:spTree>
       <p:nvGrpSpPr>
@@ -225,7 +1545,9 @@
               <a:defRPr/>
             </a:lvl1pPr>
           </a:lstStyle>
-          <a:p/>
+          <a:p>
+            <a:endParaRPr/>
+          </a:p>
         </p:txBody>
       </p:sp>
       <p:sp>
@@ -246,7 +1568,9 @@
               <a:defRPr/>
             </a:lvl1pPr>
           </a:lstStyle>
-          <a:p/>
+          <a:p>
+            <a:endParaRPr/>
+          </a:p>
         </p:txBody>
       </p:sp>
       <p:sp>
@@ -256,7 +1580,7 @@
             <a:spLocks noGrp="1"/>
           </p:cNvSpPr>
           <p:nvPr>
-            <p:ph type="ftr" idx="5" sz="quarter"/>
+            <p:ph type="ftr" sz="quarter" idx="5"/>
           </p:nvPr>
         </p:nvSpPr>
         <p:spPr/>
@@ -273,7 +1597,9 @@
               </a:defRPr>
             </a:lvl1pPr>
           </a:lstStyle>
-          <a:p/>
+          <a:p>
+            <a:endParaRPr/>
+          </a:p>
         </p:txBody>
       </p:sp>
       <p:sp>
@@ -283,7 +1609,7 @@
             <a:spLocks noGrp="1"/>
           </p:cNvSpPr>
           <p:nvPr>
-            <p:ph type="dt" idx="6" sz="half"/>
+            <p:ph type="dt" sz="half" idx="6"/>
           </p:nvPr>
         </p:nvSpPr>
         <p:spPr/>
@@ -303,7 +1629,9 @@
           <a:p>
             <a:fld id="{1D8BD707-D9CF-40AE-B4C6-C98DA3205C09}" type="datetimeFigureOut">
               <a:rPr lang="en-US"/>
+              <a:t>9/27/2022</a:t>
             </a:fld>
+            <a:endParaRPr lang="en-US"/>
           </a:p>
         </p:txBody>
       </p:sp>
@@ -314,7 +1642,7 @@
             <a:spLocks noGrp="1"/>
           </p:cNvSpPr>
           <p:nvPr>
-            <p:ph type="sldNum" idx="7" sz="quarter"/>
+            <p:ph type="sldNum" sz="quarter" idx="7"/>
           </p:nvPr>
         </p:nvSpPr>
         <p:spPr/>
@@ -333,8 +1661,9 @@
           </a:lstStyle>
           <a:p>
             <a:fld id="{B6F15528-21DE-4FAA-801E-634DDDAF4B2B}" type="slidenum">
-              <a:t>#</a:t>
+              <a:t>‹#›</a:t>
             </a:fld>
+            <a:endParaRPr/>
           </a:p>
         </p:txBody>
       </p:sp>
@@ -347,7 +1676,7 @@
 </file>
 
 <file path=ppt/slideLayouts/slideLayout3.xml><?xml version="1.0" encoding="utf-8"?>
-<p:sldLayout xmlns:a="http://schemas.openxmlformats.org/drawingml/2006/main" xmlns:r="http://schemas.openxmlformats.org/officeDocument/2006/relationships" xmlns:p="http://schemas.openxmlformats.org/presentationml/2006/main" preserve="1" type="obj">
+<p:sldLayout xmlns:a="http://schemas.openxmlformats.org/drawingml/2006/main" xmlns:r="http://schemas.openxmlformats.org/officeDocument/2006/relationships" xmlns:p="http://schemas.openxmlformats.org/presentationml/2006/main" type="obj" preserve="1">
   <p:cSld name="Two Content">
     <p:spTree>
       <p:nvGrpSpPr>
@@ -381,7 +1710,9 @@
               <a:defRPr/>
             </a:lvl1pPr>
           </a:lstStyle>
-          <a:p/>
+          <a:p>
+            <a:endParaRPr/>
+          </a:p>
         </p:txBody>
       </p:sp>
       <p:sp>
@@ -391,7 +1722,7 @@
             <a:spLocks noGrp="1"/>
           </p:cNvSpPr>
           <p:nvPr>
-            <p:ph idx="2" sz="half"/>
+            <p:ph sz="half" idx="2"/>
           </p:nvPr>
         </p:nvSpPr>
         <p:spPr>
@@ -412,7 +1743,9 @@
               <a:defRPr/>
             </a:lvl1pPr>
           </a:lstStyle>
-          <a:p/>
+          <a:p>
+            <a:endParaRPr/>
+          </a:p>
         </p:txBody>
       </p:sp>
       <p:sp>
@@ -422,7 +1755,7 @@
             <a:spLocks noGrp="1"/>
           </p:cNvSpPr>
           <p:nvPr>
-            <p:ph idx="3" sz="half"/>
+            <p:ph sz="half" idx="3"/>
           </p:nvPr>
         </p:nvSpPr>
         <p:spPr>
@@ -443,7 +1776,9 @@
               <a:defRPr/>
             </a:lvl1pPr>
           </a:lstStyle>
-          <a:p/>
+          <a:p>
+            <a:endParaRPr/>
+          </a:p>
         </p:txBody>
       </p:sp>
       <p:sp>
@@ -453,7 +1788,7 @@
             <a:spLocks noGrp="1"/>
           </p:cNvSpPr>
           <p:nvPr>
-            <p:ph type="ftr" idx="5" sz="quarter"/>
+            <p:ph type="ftr" sz="quarter" idx="5"/>
           </p:nvPr>
         </p:nvSpPr>
         <p:spPr/>
@@ -470,7 +1805,9 @@
               </a:defRPr>
             </a:lvl1pPr>
           </a:lstStyle>
-          <a:p/>
+          <a:p>
+            <a:endParaRPr/>
+          </a:p>
         </p:txBody>
       </p:sp>
       <p:sp>
@@ -480,7 +1817,7 @@
             <a:spLocks noGrp="1"/>
           </p:cNvSpPr>
           <p:nvPr>
-            <p:ph type="dt" idx="6" sz="half"/>
+            <p:ph type="dt" sz="half" idx="6"/>
           </p:nvPr>
         </p:nvSpPr>
         <p:spPr/>
@@ -500,7 +1837,9 @@
           <a:p>
             <a:fld id="{1D8BD707-D9CF-40AE-B4C6-C98DA3205C09}" type="datetimeFigureOut">
               <a:rPr lang="en-US"/>
+              <a:t>9/27/2022</a:t>
             </a:fld>
+            <a:endParaRPr lang="en-US"/>
           </a:p>
         </p:txBody>
       </p:sp>
@@ -511,7 +1850,7 @@
             <a:spLocks noGrp="1"/>
           </p:cNvSpPr>
           <p:nvPr>
-            <p:ph type="sldNum" idx="7" sz="quarter"/>
+            <p:ph type="sldNum" sz="quarter" idx="7"/>
           </p:nvPr>
         </p:nvSpPr>
         <p:spPr/>
@@ -530,8 +1869,9 @@
           </a:lstStyle>
           <a:p>
             <a:fld id="{B6F15528-21DE-4FAA-801E-634DDDAF4B2B}" type="slidenum">
-              <a:t>#</a:t>
+              <a:t>‹#›</a:t>
             </a:fld>
+            <a:endParaRPr/>
           </a:p>
         </p:txBody>
       </p:sp>
@@ -544,7 +1884,7 @@
 </file>
 
 <file path=ppt/slideLayouts/slideLayout4.xml><?xml version="1.0" encoding="utf-8"?>
-<p:sldLayout xmlns:a="http://schemas.openxmlformats.org/drawingml/2006/main" xmlns:r="http://schemas.openxmlformats.org/officeDocument/2006/relationships" xmlns:p="http://schemas.openxmlformats.org/presentationml/2006/main" preserve="1" type="obj">
+<p:sldLayout xmlns:a="http://schemas.openxmlformats.org/drawingml/2006/main" xmlns:r="http://schemas.openxmlformats.org/officeDocument/2006/relationships" xmlns:p="http://schemas.openxmlformats.org/presentationml/2006/main" type="obj" preserve="1">
   <p:cSld name="Title Only">
     <p:spTree>
       <p:nvGrpSpPr>
@@ -578,7 +1918,9 @@
               <a:defRPr/>
             </a:lvl1pPr>
           </a:lstStyle>
-          <a:p/>
+          <a:p>
+            <a:endParaRPr/>
+          </a:p>
         </p:txBody>
       </p:sp>
       <p:sp>
@@ -588,7 +1930,7 @@
             <a:spLocks noGrp="1"/>
           </p:cNvSpPr>
           <p:nvPr>
-            <p:ph type="ftr" idx="5" sz="quarter"/>
+            <p:ph type="ftr" sz="quarter" idx="5"/>
           </p:nvPr>
         </p:nvSpPr>
         <p:spPr/>
@@ -605,7 +1947,9 @@
               </a:defRPr>
             </a:lvl1pPr>
           </a:lstStyle>
-          <a:p/>
+          <a:p>
+            <a:endParaRPr/>
+          </a:p>
         </p:txBody>
       </p:sp>
       <p:sp>
@@ -615,7 +1959,7 @@
             <a:spLocks noGrp="1"/>
           </p:cNvSpPr>
           <p:nvPr>
-            <p:ph type="dt" idx="6" sz="half"/>
+            <p:ph type="dt" sz="half" idx="6"/>
           </p:nvPr>
         </p:nvSpPr>
         <p:spPr/>
@@ -635,7 +1979,9 @@
           <a:p>
             <a:fld id="{1D8BD707-D9CF-40AE-B4C6-C98DA3205C09}" type="datetimeFigureOut">
               <a:rPr lang="en-US"/>
+              <a:t>9/27/2022</a:t>
             </a:fld>
+            <a:endParaRPr lang="en-US"/>
           </a:p>
         </p:txBody>
       </p:sp>
@@ -646,7 +1992,7 @@
             <a:spLocks noGrp="1"/>
           </p:cNvSpPr>
           <p:nvPr>
-            <p:ph type="sldNum" idx="7" sz="quarter"/>
+            <p:ph type="sldNum" sz="quarter" idx="7"/>
           </p:nvPr>
         </p:nvSpPr>
         <p:spPr/>
@@ -665,8 +2011,9 @@
           </a:lstStyle>
           <a:p>
             <a:fld id="{B6F15528-21DE-4FAA-801E-634DDDAF4B2B}" type="slidenum">
-              <a:t>#</a:t>
+              <a:t>‹#›</a:t>
             </a:fld>
+            <a:endParaRPr/>
           </a:p>
         </p:txBody>
       </p:sp>
@@ -679,7 +2026,7 @@
 </file>
 
 <file path=ppt/slideLayouts/slideLayout5.xml><?xml version="1.0" encoding="utf-8"?>
-<p:sldLayout xmlns:a="http://schemas.openxmlformats.org/drawingml/2006/main" xmlns:r="http://schemas.openxmlformats.org/officeDocument/2006/relationships" xmlns:p="http://schemas.openxmlformats.org/presentationml/2006/main" preserve="1" type="obj">
+<p:sldLayout xmlns:a="http://schemas.openxmlformats.org/drawingml/2006/main" xmlns:r="http://schemas.openxmlformats.org/officeDocument/2006/relationships" xmlns:p="http://schemas.openxmlformats.org/presentationml/2006/main" type="obj" preserve="1">
   <p:cSld name="Blank">
     <p:spTree>
       <p:nvGrpSpPr>
@@ -702,7 +2049,7 @@
             <a:spLocks noGrp="1"/>
           </p:cNvSpPr>
           <p:nvPr>
-            <p:ph type="ftr" idx="5" sz="quarter"/>
+            <p:ph type="ftr" sz="quarter" idx="5"/>
           </p:nvPr>
         </p:nvSpPr>
         <p:spPr/>
@@ -719,7 +2066,9 @@
               </a:defRPr>
             </a:lvl1pPr>
           </a:lstStyle>
-          <a:p/>
+          <a:p>
+            <a:endParaRPr/>
+          </a:p>
         </p:txBody>
       </p:sp>
       <p:sp>
@@ -729,7 +2078,7 @@
             <a:spLocks noGrp="1"/>
           </p:cNvSpPr>
           <p:nvPr>
-            <p:ph type="dt" idx="6" sz="half"/>
+            <p:ph type="dt" sz="half" idx="6"/>
           </p:nvPr>
         </p:nvSpPr>
         <p:spPr/>
@@ -749,7 +2098,9 @@
           <a:p>
             <a:fld id="{1D8BD707-D9CF-40AE-B4C6-C98DA3205C09}" type="datetimeFigureOut">
               <a:rPr lang="en-US"/>
+              <a:t>9/27/2022</a:t>
             </a:fld>
+            <a:endParaRPr lang="en-US"/>
           </a:p>
         </p:txBody>
       </p:sp>
@@ -760,7 +2111,7 @@
             <a:spLocks noGrp="1"/>
           </p:cNvSpPr>
           <p:nvPr>
-            <p:ph type="sldNum" idx="7" sz="quarter"/>
+            <p:ph type="sldNum" sz="quarter" idx="7"/>
           </p:nvPr>
         </p:nvSpPr>
         <p:spPr/>
@@ -779,8 +2130,9 @@
           </a:lstStyle>
           <a:p>
             <a:fld id="{B6F15528-21DE-4FAA-801E-634DDDAF4B2B}" type="slidenum">
-              <a:t>#</a:t>
+              <a:t>‹#›</a:t>
             </a:fld>
+            <a:endParaRPr/>
           </a:p>
         </p:txBody>
       </p:sp>
@@ -845,7 +2197,9 @@
               <a:defRPr/>
             </a:lvl1pPr>
           </a:lstStyle>
-          <a:p/>
+          <a:p>
+            <a:endParaRPr/>
+          </a:p>
         </p:txBody>
       </p:sp>
       <p:sp>
@@ -876,7 +2230,9 @@
               <a:defRPr/>
             </a:lvl1pPr>
           </a:lstStyle>
-          <a:p/>
+          <a:p>
+            <a:endParaRPr/>
+          </a:p>
         </p:txBody>
       </p:sp>
       <p:sp>
@@ -886,7 +2242,7 @@
             <a:spLocks noGrp="1"/>
           </p:cNvSpPr>
           <p:nvPr>
-            <p:ph type="ftr" idx="5" sz="quarter"/>
+            <p:ph type="ftr" sz="quarter" idx="5"/>
           </p:nvPr>
         </p:nvSpPr>
         <p:spPr>
@@ -913,7 +2269,9 @@
               </a:defRPr>
             </a:lvl1pPr>
           </a:lstStyle>
-          <a:p/>
+          <a:p>
+            <a:endParaRPr/>
+          </a:p>
         </p:txBody>
       </p:sp>
       <p:sp>
@@ -923,7 +2281,7 @@
             <a:spLocks noGrp="1"/>
           </p:cNvSpPr>
           <p:nvPr>
-            <p:ph type="dt" idx="6" sz="half"/>
+            <p:ph type="dt" sz="half" idx="6"/>
           </p:nvPr>
         </p:nvSpPr>
         <p:spPr>
@@ -953,7 +2311,9 @@
           <a:p>
             <a:fld id="{1D8BD707-D9CF-40AE-B4C6-C98DA3205C09}" type="datetimeFigureOut">
               <a:rPr lang="en-US"/>
+              <a:t>9/27/2022</a:t>
             </a:fld>
+            <a:endParaRPr lang="en-US"/>
           </a:p>
         </p:txBody>
       </p:sp>
@@ -964,7 +2324,7 @@
             <a:spLocks noGrp="1"/>
           </p:cNvSpPr>
           <p:nvPr>
-            <p:ph type="sldNum" idx="7" sz="quarter"/>
+            <p:ph type="sldNum" sz="quarter" idx="7"/>
           </p:nvPr>
         </p:nvSpPr>
         <p:spPr>
@@ -993,14 +2353,15 @@
           </a:lstStyle>
           <a:p>
             <a:fld id="{B6F15528-21DE-4FAA-801E-634DDDAF4B2B}" type="slidenum">
-              <a:t>#</a:t>
+              <a:t>‹#›</a:t>
             </a:fld>
+            <a:endParaRPr/>
           </a:p>
         </p:txBody>
       </p:sp>
     </p:spTree>
   </p:cSld>
-  <p:clrMap folHlink="folHlink" hlink="hlink" accent1="accent1" accent2="accent2" accent3="accent3" accent4="accent4" accent5="accent5" accent6="accent6" tx2="dk2" bg2="lt2" tx1="dk1" bg1="lt1"/>
+  <p:clrMap bg1="lt1" tx1="dk1" bg2="lt2" tx2="dk2" accent1="accent1" accent2="accent2" accent3="accent3" accent4="accent4" accent5="accent5" accent6="accent6" hlink="hlink" folHlink="folHlink"/>
   <p:sldLayoutIdLst>
     <p:sldLayoutId id="2147483661" r:id="rId1"/>
     <p:sldLayoutId id="2147483662" r:id="rId2"/>
@@ -1214,7 +2575,9 @@
         <p:txBody>
           <a:bodyPr wrap="square" lIns="0" tIns="0" rIns="0" bIns="0" rtlCol="0"/>
           <a:lstStyle/>
-          <a:p/>
+          <a:p>
+            <a:endParaRPr/>
+          </a:p>
         </p:txBody>
       </p:sp>
       <p:grpSp>
@@ -1238,7 +2601,7 @@
             <p:nvPr/>
           </p:nvPicPr>
           <p:blipFill>
-            <a:blip r:embed="rId2" cstate="print"/>
+            <a:blip r:embed="rId3" cstate="print"/>
             <a:stretch>
               <a:fillRect/>
             </a:stretch>
@@ -1260,7 +2623,7 @@
             <p:nvPr/>
           </p:nvPicPr>
           <p:blipFill>
-            <a:blip r:embed="rId3" cstate="print"/>
+            <a:blip r:embed="rId4" cstate="print"/>
             <a:stretch>
               <a:fillRect/>
             </a:stretch>
@@ -1320,7 +2683,9 @@
           <p:txBody>
             <a:bodyPr wrap="square" lIns="0" tIns="0" rIns="0" bIns="0" rtlCol="0"/>
             <a:lstStyle/>
-            <a:p/>
+            <a:p>
+              <a:endParaRPr/>
+            </a:p>
           </p:txBody>
         </p:sp>
         <p:pic>
@@ -1330,7 +2695,7 @@
             <p:nvPr/>
           </p:nvPicPr>
           <p:blipFill>
-            <a:blip r:embed="rId4" cstate="print"/>
+            <a:blip r:embed="rId5" cstate="print"/>
             <a:stretch>
               <a:fillRect/>
             </a:stretch>
@@ -1378,7 +2743,7 @@
           <p:nvPr/>
         </p:nvPicPr>
         <p:blipFill>
-          <a:blip r:embed="rId2" cstate="print"/>
+          <a:blip r:embed="rId3" cstate="print"/>
           <a:stretch>
             <a:fillRect/>
           </a:stretch>
@@ -1400,7 +2765,7 @@
           <p:nvPr/>
         </p:nvPicPr>
         <p:blipFill>
-          <a:blip r:embed="rId3" cstate="print"/>
+          <a:blip r:embed="rId4" cstate="print"/>
           <a:stretch>
             <a:fillRect/>
           </a:stretch>
@@ -1422,7 +2787,7 @@
           <p:nvPr/>
         </p:nvPicPr>
         <p:blipFill>
-          <a:blip r:embed="rId4" cstate="print"/>
+          <a:blip r:embed="rId5" cstate="print"/>
           <a:stretch>
             <a:fillRect/>
           </a:stretch>
@@ -1444,7 +2809,7 @@
           <p:nvPr/>
         </p:nvPicPr>
         <p:blipFill>
-          <a:blip r:embed="rId5" cstate="print"/>
+          <a:blip r:embed="rId6" cstate="print"/>
           <a:stretch>
             <a:fillRect/>
           </a:stretch>
@@ -1466,7 +2831,7 @@
           <p:nvPr/>
         </p:nvPicPr>
         <p:blipFill>
-          <a:blip r:embed="rId6" cstate="print"/>
+          <a:blip r:embed="rId7" cstate="print"/>
           <a:stretch>
             <a:fillRect/>
           </a:stretch>
@@ -1513,7 +2878,7 @@
           <p:nvPr/>
         </p:nvPicPr>
         <p:blipFill>
-          <a:blip r:embed="rId2" cstate="print"/>
+          <a:blip r:embed="rId3" cstate="print"/>
           <a:stretch>
             <a:fillRect/>
           </a:stretch>
@@ -1535,7 +2900,7 @@
           <p:nvPr/>
         </p:nvPicPr>
         <p:blipFill>
-          <a:blip r:embed="rId3" cstate="print"/>
+          <a:blip r:embed="rId4" cstate="print"/>
           <a:stretch>
             <a:fillRect/>
           </a:stretch>
@@ -1557,7 +2922,7 @@
           <p:nvPr/>
         </p:nvPicPr>
         <p:blipFill>
-          <a:blip r:embed="rId4" cstate="print"/>
+          <a:blip r:embed="rId5" cstate="print"/>
           <a:stretch>
             <a:fillRect/>
           </a:stretch>
@@ -1579,7 +2944,7 @@
           <p:nvPr/>
         </p:nvPicPr>
         <p:blipFill>
-          <a:blip r:embed="rId5" cstate="print"/>
+          <a:blip r:embed="rId6" cstate="print"/>
           <a:stretch>
             <a:fillRect/>
           </a:stretch>
@@ -1601,7 +2966,7 @@
           <p:nvPr/>
         </p:nvPicPr>
         <p:blipFill>
-          <a:blip r:embed="rId6" cstate="print"/>
+          <a:blip r:embed="rId7" cstate="print"/>
           <a:stretch>
             <a:fillRect/>
           </a:stretch>
@@ -1623,7 +2988,7 @@
           <p:nvPr/>
         </p:nvPicPr>
         <p:blipFill>
-          <a:blip r:embed="rId7" cstate="print"/>
+          <a:blip r:embed="rId8" cstate="print"/>
           <a:stretch>
             <a:fillRect/>
           </a:stretch>
@@ -1645,7 +3010,7 @@
           <p:nvPr/>
         </p:nvPicPr>
         <p:blipFill>
-          <a:blip r:embed="rId8" cstate="print"/>
+          <a:blip r:embed="rId9" cstate="print"/>
           <a:stretch>
             <a:fillRect/>
           </a:stretch>
@@ -1949,4 +3314,265 @@
   <a:objectDefaults/>
   <a:extraClrSchemeLst/>
 </a:theme>
+</file>
+
+<file path=ppt/theme/theme2.xml><?xml version="1.0" encoding="utf-8"?>
+<a:theme xmlns:a="http://schemas.openxmlformats.org/drawingml/2006/main" name="Тема Office">
+  <a:themeElements>
+    <a:clrScheme name="Стандартная">
+      <a:dk1>
+        <a:sysClr val="windowText" lastClr="000000"/>
+      </a:dk1>
+      <a:lt1>
+        <a:sysClr val="window" lastClr="FFFFFF"/>
+      </a:lt1>
+      <a:dk2>
+        <a:srgbClr val="44546A"/>
+      </a:dk2>
+      <a:lt2>
+        <a:srgbClr val="E7E6E6"/>
+      </a:lt2>
+      <a:accent1>
+        <a:srgbClr val="5B9BD5"/>
+      </a:accent1>
+      <a:accent2>
+        <a:srgbClr val="ED7D31"/>
+      </a:accent2>
+      <a:accent3>
+        <a:srgbClr val="A5A5A5"/>
+      </a:accent3>
+      <a:accent4>
+        <a:srgbClr val="FFC000"/>
+      </a:accent4>
+      <a:accent5>
+        <a:srgbClr val="4472C4"/>
+      </a:accent5>
+      <a:accent6>
+        <a:srgbClr val="70AD47"/>
+      </a:accent6>
+      <a:hlink>
+        <a:srgbClr val="0563C1"/>
+      </a:hlink>
+      <a:folHlink>
+        <a:srgbClr val="954F72"/>
+      </a:folHlink>
+    </a:clrScheme>
+    <a:fontScheme name="Стандартная">
+      <a:majorFont>
+        <a:latin typeface="Calibri Light" panose="020F0302020204030204"/>
+        <a:ea typeface=""/>
+        <a:cs typeface=""/>
+        <a:font script="Jpan" typeface="ＭＳ Ｐゴシック"/>
+        <a:font script="Hang" typeface="맑은 고딕"/>
+        <a:font script="Hans" typeface="宋体"/>
+        <a:font script="Hant" typeface="新細明體"/>
+        <a:font script="Arab" typeface="Times New Roman"/>
+        <a:font script="Hebr" typeface="Times New Roman"/>
+        <a:font script="Thai" typeface="Angsana New"/>
+        <a:font script="Ethi" typeface="Nyala"/>
+        <a:font script="Beng" typeface="Vrinda"/>
+        <a:font script="Gujr" typeface="Shruti"/>
+        <a:font script="Khmr" typeface="MoolBoran"/>
+        <a:font script="Knda" typeface="Tunga"/>
+        <a:font script="Guru" typeface="Raavi"/>
+        <a:font script="Cans" typeface="Euphemia"/>
+        <a:font script="Cher" typeface="Plantagenet Cherokee"/>
+        <a:font script="Yiii" typeface="Microsoft Yi Baiti"/>
+        <a:font script="Tibt" typeface="Microsoft Himalaya"/>
+        <a:font script="Thaa" typeface="MV Boli"/>
+        <a:font script="Deva" typeface="Mangal"/>
+        <a:font script="Telu" typeface="Gautami"/>
+        <a:font script="Taml" typeface="Latha"/>
+        <a:font script="Syrc" typeface="Estrangelo Edessa"/>
+        <a:font script="Orya" typeface="Kalinga"/>
+        <a:font script="Mlym" typeface="Kartika"/>
+        <a:font script="Laoo" typeface="DokChampa"/>
+        <a:font script="Sinh" typeface="Iskoola Pota"/>
+        <a:font script="Mong" typeface="Mongolian Baiti"/>
+        <a:font script="Viet" typeface="Times New Roman"/>
+        <a:font script="Uigh" typeface="Microsoft Uighur"/>
+        <a:font script="Geor" typeface="Sylfaen"/>
+      </a:majorFont>
+      <a:minorFont>
+        <a:latin typeface="Calibri" panose="020F0502020204030204"/>
+        <a:ea typeface=""/>
+        <a:cs typeface=""/>
+        <a:font script="Jpan" typeface="ＭＳ Ｐゴシック"/>
+        <a:font script="Hang" typeface="맑은 고딕"/>
+        <a:font script="Hans" typeface="宋体"/>
+        <a:font script="Hant" typeface="新細明體"/>
+        <a:font script="Arab" typeface="Arial"/>
+        <a:font script="Hebr" typeface="Arial"/>
+        <a:font script="Thai" typeface="Cordia New"/>
+        <a:font script="Ethi" typeface="Nyala"/>
+        <a:font script="Beng" typeface="Vrinda"/>
+        <a:font script="Gujr" typeface="Shruti"/>
+        <a:font script="Khmr" typeface="DaunPenh"/>
+        <a:font script="Knda" typeface="Tunga"/>
+        <a:font script="Guru" typeface="Raavi"/>
+        <a:font script="Cans" typeface="Euphemia"/>
+        <a:font script="Cher" typeface="Plantagenet Cherokee"/>
+        <a:font script="Yiii" typeface="Microsoft Yi Baiti"/>
+        <a:font script="Tibt" typeface="Microsoft Himalaya"/>
+        <a:font script="Thaa" typeface="MV Boli"/>
+        <a:font script="Deva" typeface="Mangal"/>
+        <a:font script="Telu" typeface="Gautami"/>
+        <a:font script="Taml" typeface="Latha"/>
+        <a:font script="Syrc" typeface="Estrangelo Edessa"/>
+        <a:font script="Orya" typeface="Kalinga"/>
+        <a:font script="Mlym" typeface="Kartika"/>
+        <a:font script="Laoo" typeface="DokChampa"/>
+        <a:font script="Sinh" typeface="Iskoola Pota"/>
+        <a:font script="Mong" typeface="Mongolian Baiti"/>
+        <a:font script="Viet" typeface="Arial"/>
+        <a:font script="Uigh" typeface="Microsoft Uighur"/>
+        <a:font script="Geor" typeface="Sylfaen"/>
+      </a:minorFont>
+    </a:fontScheme>
+    <a:fmtScheme name="Стандартная">
+      <a:fillStyleLst>
+        <a:solidFill>
+          <a:schemeClr val="phClr"/>
+        </a:solidFill>
+        <a:gradFill rotWithShape="1">
+          <a:gsLst>
+            <a:gs pos="0">
+              <a:schemeClr val="phClr">
+                <a:lumMod val="110000"/>
+                <a:satMod val="105000"/>
+                <a:tint val="67000"/>
+              </a:schemeClr>
+            </a:gs>
+            <a:gs pos="50000">
+              <a:schemeClr val="phClr">
+                <a:lumMod val="105000"/>
+                <a:satMod val="103000"/>
+                <a:tint val="73000"/>
+              </a:schemeClr>
+            </a:gs>
+            <a:gs pos="100000">
+              <a:schemeClr val="phClr">
+                <a:lumMod val="105000"/>
+                <a:satMod val="109000"/>
+                <a:tint val="81000"/>
+              </a:schemeClr>
+            </a:gs>
+          </a:gsLst>
+          <a:lin ang="5400000" scaled="0"/>
+        </a:gradFill>
+        <a:gradFill rotWithShape="1">
+          <a:gsLst>
+            <a:gs pos="0">
+              <a:schemeClr val="phClr">
+                <a:satMod val="103000"/>
+                <a:lumMod val="102000"/>
+                <a:tint val="94000"/>
+              </a:schemeClr>
+            </a:gs>
+            <a:gs pos="50000">
+              <a:schemeClr val="phClr">
+                <a:satMod val="110000"/>
+                <a:lumMod val="100000"/>
+                <a:shade val="100000"/>
+              </a:schemeClr>
+            </a:gs>
+            <a:gs pos="100000">
+              <a:schemeClr val="phClr">
+                <a:lumMod val="99000"/>
+                <a:satMod val="120000"/>
+                <a:shade val="78000"/>
+              </a:schemeClr>
+            </a:gs>
+          </a:gsLst>
+          <a:lin ang="5400000" scaled="0"/>
+        </a:gradFill>
+      </a:fillStyleLst>
+      <a:lnStyleLst>
+        <a:ln w="6350" cap="flat" cmpd="sng" algn="ctr">
+          <a:solidFill>
+            <a:schemeClr val="phClr"/>
+          </a:solidFill>
+          <a:prstDash val="solid"/>
+          <a:miter lim="800000"/>
+        </a:ln>
+        <a:ln w="12700" cap="flat" cmpd="sng" algn="ctr">
+          <a:solidFill>
+            <a:schemeClr val="phClr"/>
+          </a:solidFill>
+          <a:prstDash val="solid"/>
+          <a:miter lim="800000"/>
+        </a:ln>
+        <a:ln w="19050" cap="flat" cmpd="sng" algn="ctr">
+          <a:solidFill>
+            <a:schemeClr val="phClr"/>
+          </a:solidFill>
+          <a:prstDash val="solid"/>
+          <a:miter lim="800000"/>
+        </a:ln>
+      </a:lnStyleLst>
+      <a:effectStyleLst>
+        <a:effectStyle>
+          <a:effectLst/>
+        </a:effectStyle>
+        <a:effectStyle>
+          <a:effectLst/>
+        </a:effectStyle>
+        <a:effectStyle>
+          <a:effectLst>
+            <a:outerShdw blurRad="57150" dist="19050" dir="5400000" algn="ctr" rotWithShape="0">
+              <a:srgbClr val="000000">
+                <a:alpha val="63000"/>
+              </a:srgbClr>
+            </a:outerShdw>
+          </a:effectLst>
+        </a:effectStyle>
+      </a:effectStyleLst>
+      <a:bgFillStyleLst>
+        <a:solidFill>
+          <a:schemeClr val="phClr"/>
+        </a:solidFill>
+        <a:solidFill>
+          <a:schemeClr val="phClr">
+            <a:tint val="95000"/>
+            <a:satMod val="170000"/>
+          </a:schemeClr>
+        </a:solidFill>
+        <a:gradFill rotWithShape="1">
+          <a:gsLst>
+            <a:gs pos="0">
+              <a:schemeClr val="phClr">
+                <a:tint val="93000"/>
+                <a:satMod val="150000"/>
+                <a:shade val="98000"/>
+                <a:lumMod val="102000"/>
+              </a:schemeClr>
+            </a:gs>
+            <a:gs pos="50000">
+              <a:schemeClr val="phClr">
+                <a:tint val="98000"/>
+                <a:satMod val="130000"/>
+                <a:shade val="90000"/>
+                <a:lumMod val="103000"/>
+              </a:schemeClr>
+            </a:gs>
+            <a:gs pos="100000">
+              <a:schemeClr val="phClr">
+                <a:shade val="63000"/>
+                <a:satMod val="120000"/>
+              </a:schemeClr>
+            </a:gs>
+          </a:gsLst>
+          <a:lin ang="5400000" scaled="0"/>
+        </a:gradFill>
+      </a:bgFillStyleLst>
+    </a:fmtScheme>
+  </a:themeElements>
+  <a:objectDefaults/>
+  <a:extraClrSchemeLst/>
+  <a:extLst>
+    <a:ext uri="{05A4C25C-085E-4340-85A3-A5531E510DB2}">
+      <thm15:themeFamily xmlns:thm15="http://schemas.microsoft.com/office/thememl/2012/main" name="Office Theme" id="{62F939B6-93AF-4DB8-9C6B-D6C7DFDC589F}" vid="{4A3C46E8-61CC-4603-A589-7422A47A8E4A}"/>
+    </a:ext>
+  </a:extLst>
+</a:theme>
 </file>